--- a/Presentation (1).pptx
+++ b/Presentation (1).pptx
@@ -8,7 +8,7 @@
     <p:notesMasterId r:id="rId4"/>
   </p:notesMasterIdLst>
   <p:handoutMasterIdLst>
-    <p:handoutMasterId r:id="rId22"/>
+    <p:handoutMasterId r:id="rId23"/>
   </p:handoutMasterIdLst>
   <p:sldIdLst>
     <p:sldId id="256" r:id="rId3"/>
@@ -26,9 +26,10 @@
     <p:sldId id="284" r:id="rId16"/>
     <p:sldId id="275" r:id="rId17"/>
     <p:sldId id="279" r:id="rId18"/>
-    <p:sldId id="285" r:id="rId19"/>
-    <p:sldId id="286" r:id="rId20"/>
-    <p:sldId id="280" r:id="rId21"/>
+    <p:sldId id="297" r:id="rId19"/>
+    <p:sldId id="285" r:id="rId20"/>
+    <p:sldId id="286" r:id="rId21"/>
+    <p:sldId id="280" r:id="rId22"/>
   </p:sldIdLst>
   <p:sldSz cx="12188825" cy="6858000"/>
   <p:notesSz cx="6858000" cy="9144000"/>
@@ -7084,6 +7085,84 @@
         <p:cNvGrpSpPr/>
         <p:nvPr/>
       </p:nvGrpSpPr>
+      <p:grpSpPr/>
+      <p:sp>
+        <p:nvSpPr>
+          <p:cNvPr id="2" name="标题 1"/>
+          <p:cNvSpPr>
+            <a:spLocks noGrp="1"/>
+          </p:cNvSpPr>
+          <p:nvPr>
+            <p:ph type="title"/>
+          </p:nvPr>
+        </p:nvSpPr>
+        <p:spPr/>
+        <p:txBody>
+          <a:bodyPr/>
+          <a:p>
+            <a:r>
+              <a:rPr lang="en-US" altLang="zh-CN"/>
+              <a:t>Eden cluster</a:t>
+            </a:r>
+            <a:endParaRPr lang="en-US" altLang="zh-CN"/>
+          </a:p>
+        </p:txBody>
+      </p:sp>
+      <p:pic>
+        <p:nvPicPr>
+          <p:cNvPr id="4" name="内容占位符 3"/>
+          <p:cNvPicPr>
+            <a:picLocks noChangeAspect="1"/>
+          </p:cNvPicPr>
+          <p:nvPr>
+            <p:ph idx="1"/>
+          </p:nvPr>
+        </p:nvPicPr>
+        <p:blipFill>
+          <a:blip r:embed="rId1"/>
+          <a:stretch>
+            <a:fillRect/>
+          </a:stretch>
+        </p:blipFill>
+        <p:spPr>
+          <a:xfrm>
+            <a:off x="3682365" y="1849755"/>
+            <a:ext cx="4886960" cy="4170045"/>
+          </a:xfrm>
+          <a:prstGeom prst="rect">
+            <a:avLst/>
+          </a:prstGeom>
+        </p:spPr>
+      </p:pic>
+    </p:spTree>
+  </p:cSld>
+  <p:clrMapOvr>
+    <a:masterClrMapping/>
+  </p:clrMapOvr>
+  <mc:AlternateContent xmlns:mc="http://schemas.openxmlformats.org/markup-compatibility/2006">
+    <mc:Choice xmlns:p14="http://schemas.microsoft.com/office/powerpoint/2010/main" Requires="p14">
+      <p:transition spd="med" p14:dur="700">
+        <p:fade/>
+      </p:transition>
+    </mc:Choice>
+    <mc:Fallback>
+      <p:transition spd="med">
+        <p:fade/>
+      </p:transition>
+    </mc:Fallback>
+  </mc:AlternateContent>
+</p:sld>
+</file>
+
+<file path=ppt/slides/slide17.xml><?xml version="1.0" encoding="utf-8"?>
+<p:sld xmlns:a="http://schemas.openxmlformats.org/drawingml/2006/main" xmlns:r="http://schemas.openxmlformats.org/officeDocument/2006/relationships" xmlns:p="http://schemas.openxmlformats.org/presentationml/2006/main">
+  <p:cSld>
+    <p:spTree>
+      <p:nvGrpSpPr>
+        <p:cNvPr id="1" name=""/>
+        <p:cNvGrpSpPr/>
+        <p:nvPr/>
+      </p:nvGrpSpPr>
       <p:grpSpPr>
         <a:xfrm>
           <a:off x="0" y="0"/>
@@ -7220,7 +7299,7 @@
 </p:sld>
 </file>
 
-<file path=ppt/slides/slide17.xml><?xml version="1.0" encoding="utf-8"?>
+<file path=ppt/slides/slide18.xml><?xml version="1.0" encoding="utf-8"?>
 <p:sld xmlns:a="http://schemas.openxmlformats.org/drawingml/2006/main" xmlns:r="http://schemas.openxmlformats.org/officeDocument/2006/relationships" xmlns:p="http://schemas.openxmlformats.org/presentationml/2006/main">
   <p:cSld>
     <p:spTree>
@@ -7725,7 +7804,7 @@
 </p:sld>
 </file>
 
-<file path=ppt/slides/slide18.xml><?xml version="1.0" encoding="utf-8"?>
+<file path=ppt/slides/slide19.xml><?xml version="1.0" encoding="utf-8"?>
 <p:sld xmlns:a="http://schemas.openxmlformats.org/drawingml/2006/main" xmlns:r="http://schemas.openxmlformats.org/officeDocument/2006/relationships" xmlns:p="http://schemas.openxmlformats.org/presentationml/2006/main">
   <p:cSld>
     <p:spTree>
